--- a/SELECT + JOIN.pptx
+++ b/SELECT + JOIN.pptx
@@ -5,7 +5,7 @@
     <p:sldMasterId id="2147483648" r:id="rId1"/>
   </p:sldMasterIdLst>
   <p:notesMasterIdLst>
-    <p:notesMasterId r:id="rId14"/>
+    <p:notesMasterId r:id="rId16"/>
   </p:notesMasterIdLst>
   <p:sldIdLst>
     <p:sldId id="262" r:id="rId2"/>
@@ -20,6 +20,8 @@
     <p:sldId id="264" r:id="rId11"/>
     <p:sldId id="265" r:id="rId12"/>
     <p:sldId id="267" r:id="rId13"/>
+    <p:sldId id="268" r:id="rId14"/>
+    <p:sldId id="269" r:id="rId15"/>
   </p:sldIdLst>
   <p:sldSz cx="12192000" cy="6858000"/>
   <p:notesSz cx="7559675" cy="10691813"/>
@@ -253,8 +255,22 @@
     </a:lvl9pPr>
   </p:defaultTextStyle>
   <p:extLst>
+    <p:ext uri="{EFAFB233-063F-42B5-8137-9DF3F51BA10A}">
+      <p15:sldGuideLst xmlns:p15="http://schemas.microsoft.com/office/powerpoint/2012/main">
+        <p15:guide id="1" orient="horz" pos="2160">
+          <p15:clr>
+            <a:srgbClr val="A4A3A4"/>
+          </p15:clr>
+        </p15:guide>
+        <p15:guide id="2" pos="3840">
+          <p15:clr>
+            <a:srgbClr val="A4A3A4"/>
+          </p15:clr>
+        </p15:guide>
+      </p15:sldGuideLst>
+    </p:ext>
     <p:ext uri="GoogleSlidesCustomDataVersion2">
-      <go:slidesCustomData xmlns:go="http://customooxmlschemas.google.com/" xmlns:ahyp="http://schemas.microsoft.com/office/drawing/2018/hyperlinkcolor" xmlns:p15="http://schemas.microsoft.com/office/powerpoint/2012/main" xmlns:p14="http://schemas.microsoft.com/office/powerpoint/2010/main" xmlns:com="http://schemas.openxmlformats.org/drawingml/2006/compatibility" xmlns:pvml="urn:schemas-microsoft-com:office:powerpoint" xmlns:v="urn:schemas-microsoft-com:vml" xmlns:o="urn:schemas-microsoft-com:office:office" xmlns:dgm="http://schemas.openxmlformats.org/drawingml/2006/diagram" xmlns:c="http://schemas.openxmlformats.org/drawingml/2006/chart" xmlns:mv="urn:schemas-microsoft-com:mac:vml" xmlns:mc="http://schemas.openxmlformats.org/markup-compatibility/2006" xmlns="" r:id="rId26" roundtripDataSignature="AMtx7mjq6/zVsTJh3A7WkKX9jTztccA4vg=="/>
+      <go:slidesCustomData xmlns="" xmlns:mc="http://schemas.openxmlformats.org/markup-compatibility/2006" xmlns:mv="urn:schemas-microsoft-com:mac:vml" xmlns:c="http://schemas.openxmlformats.org/drawingml/2006/chart" xmlns:dgm="http://schemas.openxmlformats.org/drawingml/2006/diagram" xmlns:o="urn:schemas-microsoft-com:office:office" xmlns:v="urn:schemas-microsoft-com:vml" xmlns:pvml="urn:schemas-microsoft-com:office:powerpoint" xmlns:com="http://schemas.openxmlformats.org/drawingml/2006/compatibility" xmlns:p14="http://schemas.microsoft.com/office/powerpoint/2010/main" xmlns:p15="http://schemas.microsoft.com/office/powerpoint/2012/main" xmlns:ahyp="http://schemas.microsoft.com/office/drawing/2018/hyperlinkcolor" xmlns:go="http://customooxmlschemas.google.com/" r:id="rId26" roundtripDataSignature="AMtx7mjq6/zVsTJh3A7WkKX9jTztccA4vg=="/>
     </p:ext>
   </p:extLst>
 </p:presentation>
@@ -7048,10 +7064,9 @@
           <a:lstStyle/>
           <a:p>
             <a:r>
-              <a:rPr lang="pt-BR" sz="2800" b="1" dirty="0" smtClean="0"/>
+              <a:rPr lang="pt-BR" sz="2800" b="1" dirty="0"/>
               <a:t>Operadores</a:t>
             </a:r>
-            <a:endParaRPr lang="pt-BR" sz="2800" b="1" dirty="0"/>
           </a:p>
         </p:txBody>
       </p:sp>
@@ -7154,30 +7169,17 @@
               </a:lnSpc>
             </a:pPr>
             <a:r>
-              <a:rPr lang="pt-BR" sz="2400" dirty="0" smtClean="0"/>
+              <a:rPr lang="pt-BR" sz="2400" dirty="0"/>
               <a:t>O </a:t>
             </a:r>
             <a:r>
-              <a:rPr lang="pt-BR" sz="2400" b="1" dirty="0" smtClean="0"/>
+              <a:rPr lang="pt-BR" sz="2400" b="1" dirty="0"/>
               <a:t>LEFT JOIN </a:t>
             </a:r>
             <a:r>
               <a:rPr lang="pt-BR" sz="2400" dirty="0"/>
-              <a:t>r</a:t>
+              <a:t>retorna todos os registros da tabela esquerda e os registros correspondentes da tabela direita mesmo que na tabela.</a:t>
             </a:r>
-            <a:r>
-              <a:rPr lang="pt-BR" sz="2400" dirty="0" smtClean="0"/>
-              <a:t>etorna </a:t>
-            </a:r>
-            <a:r>
-              <a:rPr lang="pt-BR" sz="2400" dirty="0"/>
-              <a:t>todos os registros da tabela esquerda e os registros correspondentes da tabela </a:t>
-            </a:r>
-            <a:r>
-              <a:rPr lang="pt-BR" sz="2400" dirty="0" smtClean="0"/>
-              <a:t>direita mesmo que na tabela.</a:t>
-            </a:r>
-            <a:endParaRPr lang="pt-BR" sz="2400" dirty="0"/>
           </a:p>
         </p:txBody>
       </p:sp>
@@ -7346,7 +7348,7 @@
           <a:lstStyle/>
           <a:p>
             <a:r>
-              <a:rPr lang="pt-BR" sz="1800" b="1" dirty="0" smtClean="0">
+              <a:rPr lang="pt-BR" sz="1800" b="1" dirty="0">
                 <a:solidFill>
                   <a:schemeClr val="accent6">
                     <a:lumMod val="75000"/>
@@ -7355,13 +7357,6 @@
               </a:rPr>
               <a:t>RIGHT OUTER JOIN</a:t>
             </a:r>
-            <a:endParaRPr lang="pt-BR" sz="1800" b="1" dirty="0">
-              <a:solidFill>
-                <a:schemeClr val="accent6">
-                  <a:lumMod val="75000"/>
-                </a:schemeClr>
-              </a:solidFill>
-            </a:endParaRPr>
           </a:p>
         </p:txBody>
       </p:sp>
@@ -7369,6 +7364,168 @@
     <p:extLst>
       <p:ext uri="{BB962C8B-B14F-4D97-AF65-F5344CB8AC3E}">
         <p14:creationId xmlns:p14="http://schemas.microsoft.com/office/powerpoint/2010/main" val="881184127"/>
+      </p:ext>
+    </p:extLst>
+  </p:cSld>
+  <p:clrMapOvr>
+    <a:masterClrMapping/>
+  </p:clrMapOvr>
+</p:sld>
+</file>
+
+<file path=ppt/slides/slide13.xml><?xml version="1.0" encoding="utf-8"?>
+<p:sld xmlns:a="http://schemas.openxmlformats.org/drawingml/2006/main" xmlns:r="http://schemas.openxmlformats.org/officeDocument/2006/relationships" xmlns:p="http://schemas.openxmlformats.org/presentationml/2006/main">
+  <p:cSld>
+    <p:spTree>
+      <p:nvGrpSpPr>
+        <p:cNvPr id="1" name=""/>
+        <p:cNvGrpSpPr/>
+        <p:nvPr/>
+      </p:nvGrpSpPr>
+      <p:grpSpPr>
+        <a:xfrm>
+          <a:off x="0" y="0"/>
+          <a:ext cx="0" cy="0"/>
+          <a:chOff x="0" y="0"/>
+          <a:chExt cx="0" cy="0"/>
+        </a:xfrm>
+      </p:grpSpPr>
+      <p:sp>
+        <p:nvSpPr>
+          <p:cNvPr id="4" name="CaixaDeTexto 3">
+            <a:extLst>
+              <a:ext uri="{FF2B5EF4-FFF2-40B4-BE49-F238E27FC236}">
+                <a16:creationId xmlns:a16="http://schemas.microsoft.com/office/drawing/2014/main" id="{A4204A24-2AC5-444C-A5DE-D3AA3226B8B0}"/>
+              </a:ext>
+            </a:extLst>
+          </p:cNvPr>
+          <p:cNvSpPr txBox="1"/>
+          <p:nvPr/>
+        </p:nvSpPr>
+        <p:spPr>
+          <a:xfrm>
+            <a:off x="4223792" y="2852936"/>
+            <a:ext cx="6696744" cy="584775"/>
+          </a:xfrm>
+          <a:prstGeom prst="rect">
+            <a:avLst/>
+          </a:prstGeom>
+          <a:noFill/>
+        </p:spPr>
+        <p:txBody>
+          <a:bodyPr wrap="square" rtlCol="0">
+            <a:spAutoFit/>
+          </a:bodyPr>
+          <a:lstStyle/>
+          <a:p>
+            <a:pPr algn="just"/>
+            <a:r>
+              <a:rPr lang="pt-BR" sz="3200" b="1" dirty="0"/>
+              <a:t>SELECT + LIKE</a:t>
+            </a:r>
+          </a:p>
+        </p:txBody>
+      </p:sp>
+    </p:spTree>
+    <p:extLst>
+      <p:ext uri="{BB962C8B-B14F-4D97-AF65-F5344CB8AC3E}">
+        <p14:creationId xmlns:p14="http://schemas.microsoft.com/office/powerpoint/2010/main" val="1377248134"/>
+      </p:ext>
+    </p:extLst>
+  </p:cSld>
+  <p:clrMapOvr>
+    <a:masterClrMapping/>
+  </p:clrMapOvr>
+</p:sld>
+</file>
+
+<file path=ppt/slides/slide14.xml><?xml version="1.0" encoding="utf-8"?>
+<p:sld xmlns:a="http://schemas.openxmlformats.org/drawingml/2006/main" xmlns:r="http://schemas.openxmlformats.org/officeDocument/2006/relationships" xmlns:p="http://schemas.openxmlformats.org/presentationml/2006/main">
+  <p:cSld>
+    <p:spTree>
+      <p:nvGrpSpPr>
+        <p:cNvPr id="1" name=""/>
+        <p:cNvGrpSpPr/>
+        <p:nvPr/>
+      </p:nvGrpSpPr>
+      <p:grpSpPr>
+        <a:xfrm>
+          <a:off x="0" y="0"/>
+          <a:ext cx="0" cy="0"/>
+          <a:chOff x="0" y="0"/>
+          <a:chExt cx="0" cy="0"/>
+        </a:xfrm>
+      </p:grpSpPr>
+      <p:sp>
+        <p:nvSpPr>
+          <p:cNvPr id="2" name="CaixaDeTexto 1">
+            <a:extLst>
+              <a:ext uri="{FF2B5EF4-FFF2-40B4-BE49-F238E27FC236}">
+                <a16:creationId xmlns:a16="http://schemas.microsoft.com/office/drawing/2014/main" id="{00E8BA1F-1567-49A7-8686-31870AEF12F9}"/>
+              </a:ext>
+            </a:extLst>
+          </p:cNvPr>
+          <p:cNvSpPr txBox="1"/>
+          <p:nvPr/>
+        </p:nvSpPr>
+        <p:spPr>
+          <a:xfrm>
+            <a:off x="3719736" y="1556792"/>
+            <a:ext cx="8208912" cy="3901837"/>
+          </a:xfrm>
+          <a:prstGeom prst="rect">
+            <a:avLst/>
+          </a:prstGeom>
+          <a:noFill/>
+        </p:spPr>
+        <p:txBody>
+          <a:bodyPr wrap="square" rtlCol="0">
+            <a:spAutoFit/>
+          </a:bodyPr>
+          <a:lstStyle/>
+          <a:p>
+            <a:pPr algn="just">
+              <a:lnSpc>
+                <a:spcPct val="150000"/>
+              </a:lnSpc>
+            </a:pPr>
+            <a:r>
+              <a:rPr lang="pt-BR" sz="2400" dirty="0"/>
+              <a:t>O LIKE é o operador usado para procurar um padrão especificado em uma coluna. Ele é usado na cláusula WHERE e possui dois curingas.</a:t>
+            </a:r>
+          </a:p>
+          <a:p>
+            <a:pPr marL="285750" indent="-285750" algn="just">
+              <a:lnSpc>
+                <a:spcPct val="150000"/>
+              </a:lnSpc>
+              <a:buFont typeface="Arial" panose="020B0604020202020204" pitchFamily="34" charset="0"/>
+              <a:buChar char="•"/>
+            </a:pPr>
+            <a:r>
+              <a:rPr lang="pt-BR" sz="2400" dirty="0"/>
+              <a:t>O sinal de porcentagem (%) zero, um ou vários caracteres.</a:t>
+            </a:r>
+          </a:p>
+          <a:p>
+            <a:pPr marL="285750" indent="-285750" algn="just">
+              <a:lnSpc>
+                <a:spcPct val="150000"/>
+              </a:lnSpc>
+              <a:buFont typeface="Arial" panose="020B0604020202020204" pitchFamily="34" charset="0"/>
+              <a:buChar char="•"/>
+            </a:pPr>
+            <a:r>
+              <a:rPr lang="pt-BR" sz="2400" dirty="0"/>
+              <a:t>O Sinal de sublinhado (_) representa um único caractere.</a:t>
+            </a:r>
+          </a:p>
+        </p:txBody>
+      </p:sp>
+    </p:spTree>
+    <p:extLst>
+      <p:ext uri="{BB962C8B-B14F-4D97-AF65-F5344CB8AC3E}">
+        <p14:creationId xmlns:p14="http://schemas.microsoft.com/office/powerpoint/2010/main" val="3610837748"/>
       </p:ext>
     </p:extLst>
   </p:cSld>
@@ -7419,10 +7576,9 @@
           <a:p>
             <a:pPr algn="just"/>
             <a:r>
-              <a:rPr lang="pt-BR" sz="3200" b="1" dirty="0" smtClean="0"/>
+              <a:rPr lang="pt-BR" sz="3200" b="1" dirty="0"/>
               <a:t>SELECT + BETWEEN</a:t>
             </a:r>
-            <a:endParaRPr lang="pt-BR" sz="3200" b="1" dirty="0"/>
           </a:p>
         </p:txBody>
       </p:sp>
@@ -7544,10 +7700,9 @@
           <a:p>
             <a:pPr algn="just"/>
             <a:r>
-              <a:rPr lang="pt-BR" sz="3200" b="1" dirty="0" smtClean="0"/>
+              <a:rPr lang="pt-BR" sz="3200" b="1" dirty="0"/>
               <a:t>SELECT + LIMIT</a:t>
             </a:r>
-            <a:endParaRPr lang="pt-BR" sz="3200" b="1" dirty="0"/>
           </a:p>
         </p:txBody>
       </p:sp>
@@ -7643,18 +7798,9 @@
           <a:p>
             <a:pPr algn="just"/>
             <a:r>
-              <a:rPr lang="pt-BR" sz="2000" dirty="0" smtClean="0"/>
-              <a:t>* Este </a:t>
+              <a:rPr lang="pt-BR" sz="2000" dirty="0"/>
+              <a:t>* Este recurso não está disponível em todos os SGBDS.</a:t>
             </a:r>
-            <a:r>
-              <a:rPr lang="pt-BR" sz="2000" dirty="0"/>
-              <a:t>recurso não está disponível em todos os </a:t>
-            </a:r>
-            <a:r>
-              <a:rPr lang="pt-BR" sz="2000" dirty="0" smtClean="0"/>
-              <a:t>SGBDS.</a:t>
-            </a:r>
-            <a:endParaRPr lang="pt-BR" sz="2000" dirty="0"/>
           </a:p>
         </p:txBody>
       </p:sp>
@@ -7731,7 +7877,7 @@
               <a:buNone/>
             </a:pPr>
             <a:r>
-              <a:rPr lang="pt-BR" sz="4800" b="1" dirty="0" smtClean="0"/>
+              <a:rPr lang="pt-BR" sz="4800" b="1" dirty="0"/>
               <a:t>SELECT + JOIN</a:t>
             </a:r>
           </a:p>
@@ -7779,7 +7925,7 @@
               <a:buNone/>
             </a:pPr>
             <a:r>
-              <a:rPr lang="pt-BR" sz="4800" b="1" dirty="0" smtClean="0"/>
+              <a:rPr lang="pt-BR" sz="4800" b="1" dirty="0"/>
               <a:t>INNER, LEFT, RIGHT</a:t>
             </a:r>
             <a:endParaRPr sz="4800" b="0" i="0" u="none" strike="noStrike" cap="none" dirty="0">
@@ -7855,13 +8001,8 @@
             </a:r>
             <a:r>
               <a:rPr lang="pt-BR" sz="2400" dirty="0"/>
-              <a:t>é uma cláusula utilizada em consultas SQL para combinar registros de duas ou mais tabelas com base em uma condição </a:t>
+              <a:t>é uma cláusula utilizada em consultas SQL para combinar registros de duas ou mais tabelas com base em uma condição específica, retornando apenas os campos que possuem relação.</a:t>
             </a:r>
-            <a:r>
-              <a:rPr lang="pt-BR" sz="2400" dirty="0" smtClean="0"/>
-              <a:t>específica, retornando apenas os campos que possuem relação.</a:t>
-            </a:r>
-            <a:endParaRPr lang="pt-BR" sz="2400" dirty="0"/>
           </a:p>
         </p:txBody>
       </p:sp>

--- a/SELECT + JOIN.pptx
+++ b/SELECT + JOIN.pptx
@@ -254,7 +254,7 @@
   </p:defaultTextStyle>
   <p:extLst>
     <p:ext uri="GoogleSlidesCustomDataVersion2">
-      <go:slidesCustomData xmlns:go="http://customooxmlschemas.google.com/" xmlns:ahyp="http://schemas.microsoft.com/office/drawing/2018/hyperlinkcolor" xmlns:p15="http://schemas.microsoft.com/office/powerpoint/2012/main" xmlns:p14="http://schemas.microsoft.com/office/powerpoint/2010/main" xmlns:com="http://schemas.openxmlformats.org/drawingml/2006/compatibility" xmlns:pvml="urn:schemas-microsoft-com:office:powerpoint" xmlns:v="urn:schemas-microsoft-com:vml" xmlns:o="urn:schemas-microsoft-com:office:office" xmlns:dgm="http://schemas.openxmlformats.org/drawingml/2006/diagram" xmlns:c="http://schemas.openxmlformats.org/drawingml/2006/chart" xmlns:mv="urn:schemas-microsoft-com:mac:vml" xmlns:mc="http://schemas.openxmlformats.org/markup-compatibility/2006" xmlns="" r:id="rId26" roundtripDataSignature="AMtx7mjq6/zVsTJh3A7WkKX9jTztccA4vg=="/>
+      <go:slidesCustomData xmlns="" xmlns:mc="http://schemas.openxmlformats.org/markup-compatibility/2006" xmlns:mv="urn:schemas-microsoft-com:mac:vml" xmlns:c="http://schemas.openxmlformats.org/drawingml/2006/chart" xmlns:dgm="http://schemas.openxmlformats.org/drawingml/2006/diagram" xmlns:o="urn:schemas-microsoft-com:office:office" xmlns:v="urn:schemas-microsoft-com:vml" xmlns:pvml="urn:schemas-microsoft-com:office:powerpoint" xmlns:com="http://schemas.openxmlformats.org/drawingml/2006/compatibility" xmlns:p14="http://schemas.microsoft.com/office/powerpoint/2010/main" xmlns:p15="http://schemas.microsoft.com/office/powerpoint/2012/main" xmlns:ahyp="http://schemas.microsoft.com/office/drawing/2018/hyperlinkcolor" xmlns:go="http://customooxmlschemas.google.com/" r:id="rId26" roundtripDataSignature="AMtx7mjq6/zVsTJh3A7WkKX9jTztccA4vg=="/>
     </p:ext>
   </p:extLst>
 </p:presentation>
@@ -707,6 +707,146 @@
 </file>
 
 <file path=ppt/notesSlides/notesSlide1.xml><?xml version="1.0" encoding="utf-8"?>
+<p:notes xmlns:a="http://schemas.openxmlformats.org/drawingml/2006/main" xmlns:r="http://schemas.openxmlformats.org/officeDocument/2006/relationships" xmlns:p="http://schemas.openxmlformats.org/presentationml/2006/main">
+  <p:cSld>
+    <p:spTree>
+      <p:nvGrpSpPr>
+        <p:cNvPr id="1" name=""/>
+        <p:cNvGrpSpPr/>
+        <p:nvPr/>
+      </p:nvGrpSpPr>
+      <p:grpSpPr>
+        <a:xfrm>
+          <a:off x="0" y="0"/>
+          <a:ext cx="0" cy="0"/>
+          <a:chOff x="0" y="0"/>
+          <a:chExt cx="0" cy="0"/>
+        </a:xfrm>
+      </p:grpSpPr>
+      <p:sp>
+        <p:nvSpPr>
+          <p:cNvPr id="2" name="Espaço Reservado para Imagem de Slide 1"/>
+          <p:cNvSpPr>
+            <a:spLocks noGrp="1" noRot="1" noChangeAspect="1"/>
+          </p:cNvSpPr>
+          <p:nvPr>
+            <p:ph type="sldImg"/>
+          </p:nvPr>
+        </p:nvSpPr>
+        <p:spPr>
+          <a:xfrm>
+            <a:off x="217488" y="801688"/>
+            <a:ext cx="7126287" cy="4010025"/>
+          </a:xfrm>
+        </p:spPr>
+      </p:sp>
+      <p:sp>
+        <p:nvSpPr>
+          <p:cNvPr id="3" name="Espaço Reservado para Anotações 2"/>
+          <p:cNvSpPr>
+            <a:spLocks noGrp="1"/>
+          </p:cNvSpPr>
+          <p:nvPr>
+            <p:ph type="body" idx="1"/>
+          </p:nvPr>
+        </p:nvSpPr>
+        <p:spPr/>
+        <p:txBody>
+          <a:bodyPr/>
+          <a:lstStyle/>
+          <a:p>
+            <a:r>
+              <a:rPr lang="pt-BR" dirty="0" err="1" smtClean="0"/>
+              <a:t>laboratorio</a:t>
+            </a:r>
+            <a:endParaRPr lang="pt-BR" dirty="0"/>
+          </a:p>
+        </p:txBody>
+      </p:sp>
+    </p:spTree>
+    <p:extLst>
+      <p:ext uri="{BB962C8B-B14F-4D97-AF65-F5344CB8AC3E}">
+        <p14:creationId xmlns:p14="http://schemas.microsoft.com/office/powerpoint/2010/main" val="4129905214"/>
+      </p:ext>
+    </p:extLst>
+  </p:cSld>
+  <p:clrMapOvr>
+    <a:masterClrMapping/>
+  </p:clrMapOvr>
+</p:notes>
+</file>
+
+<file path=ppt/notesSlides/notesSlide2.xml><?xml version="1.0" encoding="utf-8"?>
+<p:notes xmlns:a="http://schemas.openxmlformats.org/drawingml/2006/main" xmlns:r="http://schemas.openxmlformats.org/officeDocument/2006/relationships" xmlns:p="http://schemas.openxmlformats.org/presentationml/2006/main">
+  <p:cSld>
+    <p:spTree>
+      <p:nvGrpSpPr>
+        <p:cNvPr id="1" name=""/>
+        <p:cNvGrpSpPr/>
+        <p:nvPr/>
+      </p:nvGrpSpPr>
+      <p:grpSpPr>
+        <a:xfrm>
+          <a:off x="0" y="0"/>
+          <a:ext cx="0" cy="0"/>
+          <a:chOff x="0" y="0"/>
+          <a:chExt cx="0" cy="0"/>
+        </a:xfrm>
+      </p:grpSpPr>
+      <p:sp>
+        <p:nvSpPr>
+          <p:cNvPr id="2" name="Espaço Reservado para Imagem de Slide 1"/>
+          <p:cNvSpPr>
+            <a:spLocks noGrp="1" noRot="1" noChangeAspect="1"/>
+          </p:cNvSpPr>
+          <p:nvPr>
+            <p:ph type="sldImg"/>
+          </p:nvPr>
+        </p:nvSpPr>
+        <p:spPr>
+          <a:xfrm>
+            <a:off x="217488" y="801688"/>
+            <a:ext cx="7126287" cy="4010025"/>
+          </a:xfrm>
+        </p:spPr>
+      </p:sp>
+      <p:sp>
+        <p:nvSpPr>
+          <p:cNvPr id="3" name="Espaço Reservado para Anotações 2"/>
+          <p:cNvSpPr>
+            <a:spLocks noGrp="1"/>
+          </p:cNvSpPr>
+          <p:nvPr>
+            <p:ph type="body" idx="1"/>
+          </p:nvPr>
+        </p:nvSpPr>
+        <p:spPr/>
+        <p:txBody>
+          <a:bodyPr/>
+          <a:lstStyle/>
+          <a:p>
+            <a:r>
+              <a:rPr lang="pt-BR" dirty="0" err="1" smtClean="0"/>
+              <a:t>laboratorio</a:t>
+            </a:r>
+            <a:endParaRPr lang="pt-BR" dirty="0"/>
+          </a:p>
+        </p:txBody>
+      </p:sp>
+    </p:spTree>
+    <p:extLst>
+      <p:ext uri="{BB962C8B-B14F-4D97-AF65-F5344CB8AC3E}">
+        <p14:creationId xmlns:p14="http://schemas.microsoft.com/office/powerpoint/2010/main" val="972698065"/>
+      </p:ext>
+    </p:extLst>
+  </p:cSld>
+  <p:clrMapOvr>
+    <a:masterClrMapping/>
+  </p:clrMapOvr>
+</p:notes>
+</file>
+
+<file path=ppt/notesSlides/notesSlide3.xml><?xml version="1.0" encoding="utf-8"?>
 <p:notes xmlns:a="http://schemas.openxmlformats.org/drawingml/2006/main" xmlns:r="http://schemas.openxmlformats.org/officeDocument/2006/relationships" xmlns:p="http://schemas.openxmlformats.org/presentationml/2006/main" showMasterSp="0" showMasterPhAnim="0">
   <p:cSld>
     <p:spTree>
@@ -810,7 +950,7 @@
 </p:notes>
 </file>
 
-<file path=ppt/notesSlides/notesSlide2.xml><?xml version="1.0" encoding="utf-8"?>
+<file path=ppt/notesSlides/notesSlide4.xml><?xml version="1.0" encoding="utf-8"?>
 <p:notes xmlns:a="http://schemas.openxmlformats.org/drawingml/2006/main" xmlns:r="http://schemas.openxmlformats.org/officeDocument/2006/relationships" xmlns:p="http://schemas.openxmlformats.org/presentationml/2006/main" showMasterSp="0" showMasterPhAnim="0">
   <p:cSld>
     <p:spTree>
@@ -907,6 +1047,146 @@
         </p:spPr>
       </p:sp>
     </p:spTree>
+  </p:cSld>
+  <p:clrMapOvr>
+    <a:masterClrMapping/>
+  </p:clrMapOvr>
+</p:notes>
+</file>
+
+<file path=ppt/notesSlides/notesSlide5.xml><?xml version="1.0" encoding="utf-8"?>
+<p:notes xmlns:a="http://schemas.openxmlformats.org/drawingml/2006/main" xmlns:r="http://schemas.openxmlformats.org/officeDocument/2006/relationships" xmlns:p="http://schemas.openxmlformats.org/presentationml/2006/main">
+  <p:cSld>
+    <p:spTree>
+      <p:nvGrpSpPr>
+        <p:cNvPr id="1" name=""/>
+        <p:cNvGrpSpPr/>
+        <p:nvPr/>
+      </p:nvGrpSpPr>
+      <p:grpSpPr>
+        <a:xfrm>
+          <a:off x="0" y="0"/>
+          <a:ext cx="0" cy="0"/>
+          <a:chOff x="0" y="0"/>
+          <a:chExt cx="0" cy="0"/>
+        </a:xfrm>
+      </p:grpSpPr>
+      <p:sp>
+        <p:nvSpPr>
+          <p:cNvPr id="2" name="Espaço Reservado para Imagem de Slide 1"/>
+          <p:cNvSpPr>
+            <a:spLocks noGrp="1" noRot="1" noChangeAspect="1"/>
+          </p:cNvSpPr>
+          <p:nvPr>
+            <p:ph type="sldImg"/>
+          </p:nvPr>
+        </p:nvSpPr>
+        <p:spPr>
+          <a:xfrm>
+            <a:off x="217488" y="801688"/>
+            <a:ext cx="7126287" cy="4010025"/>
+          </a:xfrm>
+        </p:spPr>
+      </p:sp>
+      <p:sp>
+        <p:nvSpPr>
+          <p:cNvPr id="3" name="Espaço Reservado para Anotações 2"/>
+          <p:cNvSpPr>
+            <a:spLocks noGrp="1"/>
+          </p:cNvSpPr>
+          <p:nvPr>
+            <p:ph type="body" idx="1"/>
+          </p:nvPr>
+        </p:nvSpPr>
+        <p:spPr/>
+        <p:txBody>
+          <a:bodyPr/>
+          <a:lstStyle/>
+          <a:p>
+            <a:r>
+              <a:rPr lang="pt-BR" dirty="0" err="1" smtClean="0"/>
+              <a:t>laboratorio</a:t>
+            </a:r>
+            <a:endParaRPr lang="pt-BR" dirty="0"/>
+          </a:p>
+        </p:txBody>
+      </p:sp>
+    </p:spTree>
+    <p:extLst>
+      <p:ext uri="{BB962C8B-B14F-4D97-AF65-F5344CB8AC3E}">
+        <p14:creationId xmlns:p14="http://schemas.microsoft.com/office/powerpoint/2010/main" val="3092880419"/>
+      </p:ext>
+    </p:extLst>
+  </p:cSld>
+  <p:clrMapOvr>
+    <a:masterClrMapping/>
+  </p:clrMapOvr>
+</p:notes>
+</file>
+
+<file path=ppt/notesSlides/notesSlide6.xml><?xml version="1.0" encoding="utf-8"?>
+<p:notes xmlns:a="http://schemas.openxmlformats.org/drawingml/2006/main" xmlns:r="http://schemas.openxmlformats.org/officeDocument/2006/relationships" xmlns:p="http://schemas.openxmlformats.org/presentationml/2006/main">
+  <p:cSld>
+    <p:spTree>
+      <p:nvGrpSpPr>
+        <p:cNvPr id="1" name=""/>
+        <p:cNvGrpSpPr/>
+        <p:nvPr/>
+      </p:nvGrpSpPr>
+      <p:grpSpPr>
+        <a:xfrm>
+          <a:off x="0" y="0"/>
+          <a:ext cx="0" cy="0"/>
+          <a:chOff x="0" y="0"/>
+          <a:chExt cx="0" cy="0"/>
+        </a:xfrm>
+      </p:grpSpPr>
+      <p:sp>
+        <p:nvSpPr>
+          <p:cNvPr id="2" name="Espaço Reservado para Imagem de Slide 1"/>
+          <p:cNvSpPr>
+            <a:spLocks noGrp="1" noRot="1" noChangeAspect="1"/>
+          </p:cNvSpPr>
+          <p:nvPr>
+            <p:ph type="sldImg"/>
+          </p:nvPr>
+        </p:nvSpPr>
+        <p:spPr>
+          <a:xfrm>
+            <a:off x="217488" y="801688"/>
+            <a:ext cx="7126287" cy="4010025"/>
+          </a:xfrm>
+        </p:spPr>
+      </p:sp>
+      <p:sp>
+        <p:nvSpPr>
+          <p:cNvPr id="3" name="Espaço Reservado para Anotações 2"/>
+          <p:cNvSpPr>
+            <a:spLocks noGrp="1"/>
+          </p:cNvSpPr>
+          <p:nvPr>
+            <p:ph type="body" idx="1"/>
+          </p:nvPr>
+        </p:nvSpPr>
+        <p:spPr/>
+        <p:txBody>
+          <a:bodyPr/>
+          <a:lstStyle/>
+          <a:p>
+            <a:r>
+              <a:rPr lang="pt-BR" dirty="0" err="1" smtClean="0"/>
+              <a:t>laboratorio</a:t>
+            </a:r>
+            <a:endParaRPr lang="pt-BR" dirty="0"/>
+          </a:p>
+        </p:txBody>
+      </p:sp>
+    </p:spTree>
+    <p:extLst>
+      <p:ext uri="{BB962C8B-B14F-4D97-AF65-F5344CB8AC3E}">
+        <p14:creationId xmlns:p14="http://schemas.microsoft.com/office/powerpoint/2010/main" val="4141546920"/>
+      </p:ext>
+    </p:extLst>
   </p:cSld>
   <p:clrMapOvr>
     <a:masterClrMapping/>
@@ -7220,7 +7500,7 @@
           <p:nvPr/>
         </p:nvPicPr>
         <p:blipFill>
-          <a:blip r:embed="rId2">
+          <a:blip r:embed="rId3">
             <a:extLst>
               <a:ext uri="{28A0092B-C50C-407E-A947-70E740481C1C}">
                 <a14:useLocalDpi xmlns:a14="http://schemas.microsoft.com/office/drawing/2010/main" val="0"/>
